--- a/OS/sp17/lectures/OSsp17_lec6_synch.pptx
+++ b/OS/sp17/lectures/OSsp17_lec6_synch.pptx
@@ -5,10 +5,10 @@
     <p:sldMasterId id="2147483792" r:id="rId1"/>
   </p:sldMasterIdLst>
   <p:notesMasterIdLst>
-    <p:notesMasterId r:id="rId35"/>
+    <p:notesMasterId r:id="rId36"/>
   </p:notesMasterIdLst>
   <p:handoutMasterIdLst>
-    <p:handoutMasterId r:id="rId36"/>
+    <p:handoutMasterId r:id="rId37"/>
   </p:handoutMasterIdLst>
   <p:sldIdLst>
     <p:sldId id="256" r:id="rId2"/>
@@ -44,6 +44,7 @@
     <p:sldId id="486" r:id="rId32"/>
     <p:sldId id="487" r:id="rId33"/>
     <p:sldId id="385" r:id="rId34"/>
+    <p:sldId id="488" r:id="rId35"/>
   </p:sldIdLst>
   <p:sldSz cx="9144000" cy="6858000" type="screen4x3"/>
   <p:notesSz cx="9144000" cy="6858000"/>
@@ -563,7 +564,7 @@
             <a:tailEnd/>
           </a:ln>
           <a:extLst>
-            <a:ext uri="{909E8E84-426E-40DD-AFC4-6F175D3DCCD1}">
+            <a:ext uri="{909E8E84-426E-40dd-AFC4-6F175D3DCCD1}">
               <a14:hiddenFill xmlns:a14="http://schemas.microsoft.com/office/drawing/2010/main">
                 <a:solidFill>
                   <a:srgbClr val="FFFFFF"/>
@@ -571,7 +572,7 @@
               </a14:hiddenFill>
             </a:ext>
             <a:ext uri="{FAA26D3D-D897-4be2-8F04-BA451C77F1D7}">
-              <ma14:placeholderFlag xmlns:ma14="http://schemas.microsoft.com/office/mac/drawingml/2011/main" xmlns="" val="1"/>
+              <ma14:placeholderFlag xmlns:ma14="http://schemas.microsoft.com/office/mac/drawingml/2011/main" val="1"/>
             </a:ext>
           </a:extLst>
         </p:spPr>
@@ -910,14 +911,14 @@
           <a:noFill/>
           <a:ln/>
           <a:extLst>
-            <a:ext uri="{909E8E84-426E-40DD-AFC4-6F175D3DCCD1}">
+            <a:ext uri="{909E8E84-426E-40dd-AFC4-6F175D3DCCD1}">
               <a14:hiddenFill xmlns:a14="http://schemas.microsoft.com/office/drawing/2010/main">
                 <a:solidFill>
                   <a:srgbClr val="FFFFFF"/>
                 </a:solidFill>
               </a14:hiddenFill>
             </a:ext>
-            <a:ext uri="{91240B29-F687-4F45-9708-019B960494DF}">
+            <a:ext uri="{91240B29-F687-4f45-9708-019B960494DF}">
               <a14:hiddenLine xmlns:a14="http://schemas.microsoft.com/office/drawing/2010/main" w="9525">
                 <a:solidFill>
                   <a:srgbClr val="000000"/>
@@ -1085,14 +1086,14 @@
           <a:noFill/>
           <a:ln/>
           <a:extLst>
-            <a:ext uri="{909E8E84-426E-40DD-AFC4-6F175D3DCCD1}">
+            <a:ext uri="{909E8E84-426E-40dd-AFC4-6F175D3DCCD1}">
               <a14:hiddenFill xmlns:a14="http://schemas.microsoft.com/office/drawing/2010/main">
                 <a:solidFill>
                   <a:srgbClr val="FFFFFF"/>
                 </a:solidFill>
               </a14:hiddenFill>
             </a:ext>
-            <a:ext uri="{91240B29-F687-4F45-9708-019B960494DF}">
+            <a:ext uri="{91240B29-F687-4f45-9708-019B960494DF}">
               <a14:hiddenLine xmlns:a14="http://schemas.microsoft.com/office/drawing/2010/main" w="9525">
                 <a:solidFill>
                   <a:srgbClr val="000000"/>
@@ -1103,7 +1104,7 @@
               </a14:hiddenLine>
             </a:ext>
             <a:ext uri="{FAA26D3D-D897-4be2-8F04-BA451C77F1D7}">
-              <ma14:placeholderFlag xmlns:ma14="http://schemas.microsoft.com/office/mac/drawingml/2011/main" xmlns="" val="1"/>
+              <ma14:placeholderFlag xmlns:ma14="http://schemas.microsoft.com/office/mac/drawingml/2011/main" val="1"/>
             </a:ext>
           </a:extLst>
         </p:spPr>
@@ -1205,7 +1206,7 @@
             <a:tailEnd/>
           </a:ln>
           <a:extLst>
-            <a:ext uri="{909E8E84-426E-40DD-AFC4-6F175D3DCCD1}">
+            <a:ext uri="{909E8E84-426E-40dd-AFC4-6F175D3DCCD1}">
               <a14:hiddenFill xmlns:a14="http://schemas.microsoft.com/office/drawing/2010/main">
                 <a:solidFill>
                   <a:srgbClr val="FFFFFF"/>
@@ -1248,7 +1249,7 @@
             <a:tailEnd/>
           </a:ln>
           <a:extLst>
-            <a:ext uri="{909E8E84-426E-40DD-AFC4-6F175D3DCCD1}">
+            <a:ext uri="{909E8E84-426E-40dd-AFC4-6F175D3DCCD1}">
               <a14:hiddenFill xmlns:a14="http://schemas.microsoft.com/office/drawing/2010/main">
                 <a:noFill/>
               </a14:hiddenFill>
@@ -1348,7 +1349,7 @@
           <a:p>
             <a:fld id="{AC926C45-20DC-FA46-8D78-A38C217A8EAC}" type="datetime1">
               <a:rPr lang="en-US" smtClean="0"/>
-              <a:t>2/6/2017</a:t>
+              <a:t>2/9/17</a:t>
             </a:fld>
             <a:endParaRPr lang="en-US"/>
           </a:p>
@@ -1545,7 +1546,7 @@
           <a:p>
             <a:fld id="{D75EA7DF-14D0-DB4D-9F84-9593C9A7AEC9}" type="datetime1">
               <a:rPr lang="en-US" smtClean="0"/>
-              <a:t>2/6/2017</a:t>
+              <a:t>2/9/17</a:t>
             </a:fld>
             <a:endParaRPr lang="en-US"/>
           </a:p>
@@ -1751,7 +1752,7 @@
           <a:p>
             <a:fld id="{DF79677C-18D6-614B-9A21-31748B7639B1}" type="datetime1">
               <a:rPr lang="en-US" smtClean="0"/>
-              <a:t>2/6/2017</a:t>
+              <a:t>2/9/17</a:t>
             </a:fld>
             <a:endParaRPr lang="en-US"/>
           </a:p>
@@ -2014,7 +2015,7 @@
           <a:p>
             <a:fld id="{766B6591-5FC7-A144-AD21-6B99FE111655}" type="datetime1">
               <a:rPr lang="en-US" smtClean="0"/>
-              <a:t>2/6/2017</a:t>
+              <a:t>2/9/17</a:t>
             </a:fld>
             <a:endParaRPr lang="en-US"/>
           </a:p>
@@ -2277,7 +2278,7 @@
           <a:p>
             <a:fld id="{6836502E-B1A6-1A48-8D64-5FC7B4156795}" type="datetime1">
               <a:rPr lang="en-US" smtClean="0"/>
-              <a:t>2/6/2017</a:t>
+              <a:t>2/9/17</a:t>
             </a:fld>
             <a:endParaRPr lang="en-US"/>
           </a:p>
@@ -2473,7 +2474,7 @@
           <a:p>
             <a:fld id="{484FC7DC-99C5-B841-BC67-A822311DD890}" type="datetime1">
               <a:rPr lang="en-US" smtClean="0"/>
-              <a:t>2/6/2017</a:t>
+              <a:t>2/9/17</a:t>
             </a:fld>
             <a:endParaRPr lang="en-US"/>
           </a:p>
@@ -2691,7 +2692,7 @@
           <a:p>
             <a:fld id="{CCE44F59-F396-C143-8B0C-03634C827A49}" type="datetime1">
               <a:rPr lang="en-US" smtClean="0"/>
-              <a:t>2/6/2017</a:t>
+              <a:t>2/9/17</a:t>
             </a:fld>
             <a:endParaRPr lang="en-US"/>
           </a:p>
@@ -3005,7 +3006,7 @@
           <a:p>
             <a:fld id="{3E11BFA1-D230-9142-809A-D7213B19D531}" type="datetime1">
               <a:rPr lang="en-US" smtClean="0"/>
-              <a:t>2/6/2017</a:t>
+              <a:t>2/9/17</a:t>
             </a:fld>
             <a:endParaRPr lang="en-US"/>
           </a:p>
@@ -3458,7 +3459,7 @@
           <a:p>
             <a:fld id="{03377710-A120-B744-A1C5-855BB81B3BCC}" type="datetime1">
               <a:rPr lang="en-US" smtClean="0"/>
-              <a:t>2/6/2017</a:t>
+              <a:t>2/9/17</a:t>
             </a:fld>
             <a:endParaRPr lang="en-US"/>
           </a:p>
@@ -3602,7 +3603,7 @@
           <a:p>
             <a:fld id="{25EA67E7-4ABC-4344-8631-4B0311945609}" type="datetime1">
               <a:rPr lang="en-US" smtClean="0"/>
-              <a:t>2/6/2017</a:t>
+              <a:t>2/9/17</a:t>
             </a:fld>
             <a:endParaRPr lang="en-US"/>
           </a:p>
@@ -3723,7 +3724,7 @@
           <a:p>
             <a:fld id="{4219A668-13DF-DF4A-816D-BCDA804915C0}" type="datetime1">
               <a:rPr lang="en-US" smtClean="0"/>
-              <a:t>2/6/2017</a:t>
+              <a:t>2/9/17</a:t>
             </a:fld>
             <a:endParaRPr lang="en-US"/>
           </a:p>
@@ -4026,7 +4027,7 @@
           <a:p>
             <a:fld id="{3CFE97D8-1444-D146-A870-C751AFE2D036}" type="datetime1">
               <a:rPr lang="en-US" smtClean="0"/>
-              <a:t>2/6/2017</a:t>
+              <a:t>2/9/17</a:t>
             </a:fld>
             <a:endParaRPr lang="en-US"/>
           </a:p>
@@ -4306,7 +4307,7 @@
           <a:p>
             <a:fld id="{8EEFD081-2C5C-7841-835E-738FF4FCE669}" type="datetime1">
               <a:rPr lang="en-US" smtClean="0"/>
-              <a:t>2/6/2017</a:t>
+              <a:t>2/9/17</a:t>
             </a:fld>
             <a:endParaRPr lang="en-US"/>
           </a:p>
@@ -4435,14 +4436,14 @@
             <a:noFill/>
           </a:ln>
           <a:extLst>
-            <a:ext uri="{909E8E84-426E-40DD-AFC4-6F175D3DCCD1}">
+            <a:ext uri="{909E8E84-426E-40dd-AFC4-6F175D3DCCD1}">
               <a14:hiddenFill xmlns:a14="http://schemas.microsoft.com/office/drawing/2010/main">
                 <a:solidFill>
                   <a:srgbClr val="FFFFFF"/>
                 </a:solidFill>
               </a14:hiddenFill>
             </a:ext>
-            <a:ext uri="{91240B29-F687-4F45-9708-019B960494DF}">
+            <a:ext uri="{91240B29-F687-4f45-9708-019B960494DF}">
               <a14:hiddenLine xmlns:a14="http://schemas.microsoft.com/office/drawing/2010/main" w="9525">
                 <a:solidFill>
                   <a:srgbClr val="000000"/>
@@ -4453,7 +4454,7 @@
               </a14:hiddenLine>
             </a:ext>
             <a:ext uri="{FAA26D3D-D897-4be2-8F04-BA451C77F1D7}">
-              <ma14:placeholderFlag xmlns:ma14="http://schemas.microsoft.com/office/mac/drawingml/2011/main" xmlns="" val="1"/>
+              <ma14:placeholderFlag xmlns:ma14="http://schemas.microsoft.com/office/mac/drawingml/2011/main" val="1"/>
             </a:ext>
           </a:extLst>
         </p:spPr>
@@ -4496,14 +4497,14 @@
             <a:noFill/>
           </a:ln>
           <a:extLst>
-            <a:ext uri="{909E8E84-426E-40DD-AFC4-6F175D3DCCD1}">
+            <a:ext uri="{909E8E84-426E-40dd-AFC4-6F175D3DCCD1}">
               <a14:hiddenFill xmlns:a14="http://schemas.microsoft.com/office/drawing/2010/main">
                 <a:solidFill>
                   <a:srgbClr val="FFFFFF"/>
                 </a:solidFill>
               </a14:hiddenFill>
             </a:ext>
-            <a:ext uri="{91240B29-F687-4F45-9708-019B960494DF}">
+            <a:ext uri="{91240B29-F687-4f45-9708-019B960494DF}">
               <a14:hiddenLine xmlns:a14="http://schemas.microsoft.com/office/drawing/2010/main" w="9525">
                 <a:solidFill>
                   <a:srgbClr val="000000"/>
@@ -4514,7 +4515,7 @@
               </a14:hiddenLine>
             </a:ext>
             <a:ext uri="{FAA26D3D-D897-4be2-8F04-BA451C77F1D7}">
-              <ma14:placeholderFlag xmlns:ma14="http://schemas.microsoft.com/office/mac/drawingml/2011/main" xmlns="" val="1"/>
+              <ma14:placeholderFlag xmlns:ma14="http://schemas.microsoft.com/office/mac/drawingml/2011/main" val="1"/>
             </a:ext>
           </a:extLst>
         </p:spPr>
@@ -4605,7 +4606,7 @@
           <a:p>
             <a:fld id="{FB13A6B2-413A-F049-8B35-5D8B9EEFFEB4}" type="datetime1">
               <a:rPr lang="en-US" smtClean="0"/>
-              <a:t>2/6/2017</a:t>
+              <a:t>2/9/17</a:t>
             </a:fld>
             <a:endParaRPr lang="en-US"/>
           </a:p>
@@ -4779,7 +4780,7 @@
             <a:tailEnd/>
           </a:ln>
           <a:extLst>
-            <a:ext uri="{909E8E84-426E-40DD-AFC4-6F175D3DCCD1}">
+            <a:ext uri="{909E8E84-426E-40dd-AFC4-6F175D3DCCD1}">
               <a14:hiddenFill xmlns:a14="http://schemas.microsoft.com/office/drawing/2010/main">
                 <a:solidFill>
                   <a:srgbClr val="FFFFFF"/>
@@ -4822,7 +4823,7 @@
             <a:tailEnd/>
           </a:ln>
           <a:extLst>
-            <a:ext uri="{909E8E84-426E-40DD-AFC4-6F175D3DCCD1}">
+            <a:ext uri="{909E8E84-426E-40dd-AFC4-6F175D3DCCD1}">
               <a14:hiddenFill xmlns:a14="http://schemas.microsoft.com/office/drawing/2010/main">
                 <a:noFill/>
               </a14:hiddenFill>
@@ -4858,7 +4859,7 @@
   <p:timing>
     <p:tnLst>
       <p:par>
-        <p:cTn id="1" dur="indefinite" restart="never" nodeType="tmRoot"/>
+        <p:cTn xmlns:p14="http://schemas.microsoft.com/office/powerpoint/2010/main" id="1" dur="indefinite" restart="never" nodeType="tmRoot"/>
       </p:par>
     </p:tnLst>
   </p:timing>
@@ -5521,7 +5522,7 @@
   <p:timing>
     <p:tnLst>
       <p:par>
-        <p:cTn id="1" dur="indefinite" restart="never" nodeType="tmRoot"/>
+        <p:cTn xmlns:p14="http://schemas.microsoft.com/office/powerpoint/2010/main" id="1" dur="indefinite" restart="never" nodeType="tmRoot"/>
       </p:par>
     </p:tnLst>
   </p:timing>
@@ -5803,7 +5804,7 @@
           <a:p>
             <a:fld id="{484FC7DC-99C5-B841-BC67-A822311DD890}" type="datetime1">
               <a:rPr lang="en-US" smtClean="0"/>
-              <a:t>2/6/2017</a:t>
+              <a:t>2/9/17</a:t>
             </a:fld>
             <a:endParaRPr lang="en-US"/>
           </a:p>
@@ -5880,14 +5881,14 @@
             <a:noFill/>
           </a:ln>
           <a:extLst>
-            <a:ext uri="{909E8E84-426E-40DD-AFC4-6F175D3DCCD1}">
+            <a:ext uri="{909E8E84-426E-40dd-AFC4-6F175D3DCCD1}">
               <a14:hiddenFill xmlns:a14="http://schemas.microsoft.com/office/drawing/2010/main">
                 <a:solidFill>
                   <a:srgbClr val="FFFFFF"/>
                 </a:solidFill>
               </a14:hiddenFill>
             </a:ext>
-            <a:ext uri="{91240B29-F687-4F45-9708-019B960494DF}">
+            <a:ext uri="{91240B29-F687-4f45-9708-019B960494DF}">
               <a14:hiddenLine xmlns:a14="http://schemas.microsoft.com/office/drawing/2010/main" w="9525">
                 <a:solidFill>
                   <a:srgbClr val="000000"/>
@@ -5898,7 +5899,7 @@
               </a14:hiddenLine>
             </a:ext>
             <a:ext uri="{FAA26D3D-D897-4be2-8F04-BA451C77F1D7}">
-              <ma14:placeholderFlag xmlns:ma14="http://schemas.microsoft.com/office/mac/drawingml/2011/main" xmlns="" val="1"/>
+              <ma14:placeholderFlag xmlns:ma14="http://schemas.microsoft.com/office/mac/drawingml/2011/main" val="1"/>
             </a:ext>
           </a:extLst>
         </p:spPr>
@@ -6266,7 +6267,7 @@
   <p:timing>
     <p:tnLst>
       <p:par>
-        <p:cTn id="1" dur="indefinite" restart="never" nodeType="tmRoot"/>
+        <p:cTn xmlns:p14="http://schemas.microsoft.com/office/powerpoint/2010/main" id="1" dur="indefinite" restart="never" nodeType="tmRoot"/>
       </p:par>
     </p:tnLst>
   </p:timing>
@@ -6562,7 +6563,7 @@
           <a:p>
             <a:fld id="{484FC7DC-99C5-B841-BC67-A822311DD890}" type="datetime1">
               <a:rPr lang="en-US" smtClean="0"/>
-              <a:t>2/6/2017</a:t>
+              <a:t>2/9/17</a:t>
             </a:fld>
             <a:endParaRPr lang="en-US"/>
           </a:p>
@@ -6639,14 +6640,14 @@
             <a:noFill/>
           </a:ln>
           <a:extLst>
-            <a:ext uri="{909E8E84-426E-40DD-AFC4-6F175D3DCCD1}">
+            <a:ext uri="{909E8E84-426E-40dd-AFC4-6F175D3DCCD1}">
               <a14:hiddenFill xmlns:a14="http://schemas.microsoft.com/office/drawing/2010/main">
                 <a:solidFill>
                   <a:srgbClr val="FFFFFF"/>
                 </a:solidFill>
               </a14:hiddenFill>
             </a:ext>
-            <a:ext uri="{91240B29-F687-4F45-9708-019B960494DF}">
+            <a:ext uri="{91240B29-F687-4f45-9708-019B960494DF}">
               <a14:hiddenLine xmlns:a14="http://schemas.microsoft.com/office/drawing/2010/main" w="9525">
                 <a:solidFill>
                   <a:srgbClr val="000000"/>
@@ -6657,7 +6658,7 @@
               </a14:hiddenLine>
             </a:ext>
             <a:ext uri="{FAA26D3D-D897-4be2-8F04-BA451C77F1D7}">
-              <ma14:placeholderFlag xmlns:ma14="http://schemas.microsoft.com/office/mac/drawingml/2011/main" xmlns="" val="1"/>
+              <ma14:placeholderFlag xmlns:ma14="http://schemas.microsoft.com/office/mac/drawingml/2011/main" val="1"/>
             </a:ext>
           </a:extLst>
         </p:spPr>
@@ -7064,7 +7065,7 @@
   <p:timing>
     <p:tnLst>
       <p:par>
-        <p:cTn id="1" dur="indefinite" restart="never" nodeType="tmRoot"/>
+        <p:cTn xmlns:p14="http://schemas.microsoft.com/office/powerpoint/2010/main" id="1" dur="indefinite" restart="never" nodeType="tmRoot"/>
       </p:par>
     </p:tnLst>
   </p:timing>
@@ -7160,11 +7161,7 @@
             </a:r>
             <a:r>
               <a:rPr lang="en-US" smtClean="0"/>
-              <a:t>, </a:t>
-            </a:r>
-            <a:r>
-              <a:rPr lang="en-US" smtClean="0"/>
-              <a:t>Peter </a:t>
+              <a:t>, Peter </a:t>
             </a:r>
             <a:r>
               <a:rPr lang="en-US" dirty="0" smtClean="0"/>
@@ -7257,7 +7254,7 @@
           <a:p>
             <a:fld id="{766B6591-5FC7-A144-AD21-6B99FE111655}" type="datetime1">
               <a:rPr lang="en-US" smtClean="0"/>
-              <a:t>2/6/2017</a:t>
+              <a:t>2/9/17</a:t>
             </a:fld>
             <a:endParaRPr lang="en-US"/>
           </a:p>
@@ -7326,7 +7323,7 @@
   <p:timing>
     <p:tnLst>
       <p:par>
-        <p:cTn id="1" dur="indefinite" restart="never" nodeType="tmRoot"/>
+        <p:cTn xmlns:p14="http://schemas.microsoft.com/office/powerpoint/2010/main" id="1" dur="indefinite" restart="never" nodeType="tmRoot"/>
       </p:par>
     </p:tnLst>
   </p:timing>
@@ -7465,7 +7462,7 @@
           <a:p>
             <a:fld id="{484FC7DC-99C5-B841-BC67-A822311DD890}" type="datetime1">
               <a:rPr lang="en-US" smtClean="0"/>
-              <a:t>2/6/2017</a:t>
+              <a:t>2/9/17</a:t>
             </a:fld>
             <a:endParaRPr lang="en-US"/>
           </a:p>
@@ -7534,7 +7531,7 @@
   <p:timing>
     <p:tnLst>
       <p:par>
-        <p:cTn id="1" dur="indefinite" restart="never" nodeType="tmRoot"/>
+        <p:cTn xmlns:p14="http://schemas.microsoft.com/office/powerpoint/2010/main" id="1" dur="indefinite" restart="never" nodeType="tmRoot"/>
       </p:par>
     </p:tnLst>
   </p:timing>
@@ -7634,7 +7631,7 @@
           <a:p>
             <a:fld id="{484FC7DC-99C5-B841-BC67-A822311DD890}" type="datetime1">
               <a:rPr lang="en-US" smtClean="0"/>
-              <a:t>2/6/2017</a:t>
+              <a:t>2/9/17</a:t>
             </a:fld>
             <a:endParaRPr lang="en-US"/>
           </a:p>
@@ -7727,7 +7724,7 @@
   <p:timing>
     <p:tnLst>
       <p:par>
-        <p:cTn id="1" dur="indefinite" restart="never" nodeType="tmRoot"/>
+        <p:cTn xmlns:p14="http://schemas.microsoft.com/office/powerpoint/2010/main" id="1" dur="indefinite" restart="never" nodeType="tmRoot"/>
       </p:par>
     </p:tnLst>
   </p:timing>
@@ -8016,7 +8013,7 @@
           <a:p>
             <a:fld id="{484FC7DC-99C5-B841-BC67-A822311DD890}" type="datetime1">
               <a:rPr lang="en-US" smtClean="0"/>
-              <a:t>2/6/2017</a:t>
+              <a:t>2/9/17</a:t>
             </a:fld>
             <a:endParaRPr lang="en-US"/>
           </a:p>
@@ -8324,7 +8321,7 @@
           <a:p>
             <a:fld id="{484FC7DC-99C5-B841-BC67-A822311DD890}" type="datetime1">
               <a:rPr lang="en-US" smtClean="0"/>
-              <a:t>2/6/2017</a:t>
+              <a:t>2/9/17</a:t>
             </a:fld>
             <a:endParaRPr lang="en-US"/>
           </a:p>
@@ -8401,14 +8398,14 @@
             <a:noFill/>
           </a:ln>
           <a:extLst>
-            <a:ext uri="{909E8E84-426E-40DD-AFC4-6F175D3DCCD1}">
+            <a:ext uri="{909E8E84-426E-40dd-AFC4-6F175D3DCCD1}">
               <a14:hiddenFill xmlns:a14="http://schemas.microsoft.com/office/drawing/2010/main">
                 <a:solidFill>
                   <a:srgbClr val="FFFFFF"/>
                 </a:solidFill>
               </a14:hiddenFill>
             </a:ext>
-            <a:ext uri="{91240B29-F687-4F45-9708-019B960494DF}">
+            <a:ext uri="{91240B29-F687-4f45-9708-019B960494DF}">
               <a14:hiddenLine xmlns:a14="http://schemas.microsoft.com/office/drawing/2010/main" w="9525">
                 <a:solidFill>
                   <a:srgbClr val="000000"/>
@@ -8419,7 +8416,7 @@
               </a14:hiddenLine>
             </a:ext>
             <a:ext uri="{FAA26D3D-D897-4be2-8F04-BA451C77F1D7}">
-              <ma14:placeholderFlag xmlns:ma14="http://schemas.microsoft.com/office/mac/drawingml/2011/main" xmlns="" val="1"/>
+              <ma14:placeholderFlag xmlns:ma14="http://schemas.microsoft.com/office/mac/drawingml/2011/main" val="1"/>
             </a:ext>
           </a:extLst>
         </p:spPr>
@@ -8839,7 +8836,7 @@
           <a:p>
             <a:fld id="{766B6591-5FC7-A144-AD21-6B99FE111655}" type="datetime1">
               <a:rPr lang="en-US" smtClean="0"/>
-              <a:t>2/6/2017</a:t>
+              <a:t>2/9/17</a:t>
             </a:fld>
             <a:endParaRPr lang="en-US"/>
           </a:p>
@@ -8965,7 +8962,7 @@
           <a:p>
             <a:fld id="{484FC7DC-99C5-B841-BC67-A822311DD890}" type="datetime1">
               <a:rPr lang="en-US" smtClean="0"/>
-              <a:t>2/6/2017</a:t>
+              <a:t>2/9/17</a:t>
             </a:fld>
             <a:endParaRPr lang="en-US"/>
           </a:p>
@@ -9166,7 +9163,7 @@
           <a:p>
             <a:fld id="{484FC7DC-99C5-B841-BC67-A822311DD890}" type="datetime1">
               <a:rPr lang="en-US" smtClean="0"/>
-              <a:t>2/6/2017</a:t>
+              <a:t>2/9/17</a:t>
             </a:fld>
             <a:endParaRPr lang="en-US"/>
           </a:p>
@@ -9259,7 +9256,7 @@
   <p:timing>
     <p:tnLst>
       <p:par>
-        <p:cTn id="1" dur="indefinite" restart="never" nodeType="tmRoot"/>
+        <p:cTn xmlns:p14="http://schemas.microsoft.com/office/powerpoint/2010/main" id="1" dur="indefinite" restart="never" nodeType="tmRoot"/>
       </p:par>
     </p:tnLst>
   </p:timing>
@@ -9528,7 +9525,7 @@
                 <a:latin typeface="Garamond"/>
                 <a:cs typeface="Garamond"/>
               </a:rPr>
-              <a:t>2/6/2017</a:t>
+              <a:t>2/9/17</a:t>
             </a:fld>
             <a:endParaRPr lang="en-US" dirty="0">
               <a:latin typeface="Garamond"/>
@@ -9713,7 +9710,7 @@
   <p:timing>
     <p:tnLst>
       <p:par>
-        <p:cTn id="1" dur="indefinite" restart="never" nodeType="tmRoot"/>
+        <p:cTn xmlns:p14="http://schemas.microsoft.com/office/powerpoint/2010/main" id="1" dur="indefinite" restart="never" nodeType="tmRoot"/>
       </p:par>
     </p:tnLst>
   </p:timing>
@@ -9777,7 +9774,7 @@
           <a:p>
             <a:fld id="{484FC7DC-99C5-B841-BC67-A822311DD890}" type="datetime1">
               <a:rPr lang="en-US" smtClean="0"/>
-              <a:t>2/6/2017</a:t>
+              <a:t>2/9/17</a:t>
             </a:fld>
             <a:endParaRPr lang="en-US"/>
           </a:p>
@@ -9870,7 +9867,7 @@
   <p:timing>
     <p:tnLst>
       <p:par>
-        <p:cTn id="1" dur="indefinite" restart="never" nodeType="tmRoot"/>
+        <p:cTn xmlns:p14="http://schemas.microsoft.com/office/powerpoint/2010/main" id="1" dur="indefinite" restart="never" nodeType="tmRoot"/>
       </p:par>
     </p:tnLst>
   </p:timing>
@@ -10015,7 +10012,7 @@
           <a:p>
             <a:fld id="{484FC7DC-99C5-B841-BC67-A822311DD890}" type="datetime1">
               <a:rPr lang="en-US" smtClean="0"/>
-              <a:t>2/6/2017</a:t>
+              <a:t>2/9/17</a:t>
             </a:fld>
             <a:endParaRPr lang="en-US"/>
           </a:p>
@@ -10193,7 +10190,7 @@
           <a:p>
             <a:fld id="{484FC7DC-99C5-B841-BC67-A822311DD890}" type="datetime1">
               <a:rPr lang="en-US" smtClean="0"/>
-              <a:t>2/6/2017</a:t>
+              <a:t>2/9/17</a:t>
             </a:fld>
             <a:endParaRPr lang="en-US"/>
           </a:p>
@@ -10427,7 +10424,7 @@
           <a:p>
             <a:fld id="{484FC7DC-99C5-B841-BC67-A822311DD890}" type="datetime1">
               <a:rPr lang="en-US" smtClean="0"/>
-              <a:t>2/6/2017</a:t>
+              <a:t>2/9/17</a:t>
             </a:fld>
             <a:endParaRPr lang="en-US"/>
           </a:p>
@@ -10685,7 +10682,7 @@
           <a:p>
             <a:fld id="{484FC7DC-99C5-B841-BC67-A822311DD890}" type="datetime1">
               <a:rPr lang="en-US" smtClean="0"/>
-              <a:t>2/6/2017</a:t>
+              <a:t>2/9/17</a:t>
             </a:fld>
             <a:endParaRPr lang="en-US"/>
           </a:p>
@@ -10879,7 +10876,7 @@
           <a:p>
             <a:fld id="{484FC7DC-99C5-B841-BC67-A822311DD890}" type="datetime1">
               <a:rPr lang="en-US" smtClean="0"/>
-              <a:t>2/6/2017</a:t>
+              <a:t>2/9/17</a:t>
             </a:fld>
             <a:endParaRPr lang="en-US"/>
           </a:p>
@@ -11073,7 +11070,7 @@
           <a:p>
             <a:fld id="{484FC7DC-99C5-B841-BC67-A822311DD890}" type="datetime1">
               <a:rPr lang="en-US" smtClean="0"/>
-              <a:t>2/6/2017</a:t>
+              <a:t>2/9/17</a:t>
             </a:fld>
             <a:endParaRPr lang="en-US"/>
           </a:p>
@@ -11342,7 +11339,7 @@
           <a:p>
             <a:fld id="{484FC7DC-99C5-B841-BC67-A822311DD890}" type="datetime1">
               <a:rPr lang="en-US" smtClean="0"/>
-              <a:t>2/6/2017</a:t>
+              <a:t>2/9/17</a:t>
             </a:fld>
             <a:endParaRPr lang="en-US"/>
           </a:p>
@@ -11551,7 +11548,7 @@
           <a:p>
             <a:fld id="{484FC7DC-99C5-B841-BC67-A822311DD890}" type="datetime1">
               <a:rPr lang="en-US" smtClean="0"/>
-              <a:t>2/6/2017</a:t>
+              <a:t>2/9/17</a:t>
             </a:fld>
             <a:endParaRPr lang="en-US"/>
           </a:p>
@@ -11751,7 +11748,7 @@
           <a:p>
             <a:fld id="{484FC7DC-99C5-B841-BC67-A822311DD890}" type="datetime1">
               <a:rPr lang="en-US" smtClean="0"/>
-              <a:t>2/6/2017</a:t>
+              <a:t>2/9/17</a:t>
             </a:fld>
             <a:endParaRPr lang="en-US"/>
           </a:p>
@@ -11962,7 +11959,7 @@
           <a:p>
             <a:fld id="{A05BE6B7-B0DA-944B-B7A2-BBD8AAB68701}" type="datetime1">
               <a:rPr lang="en-US" smtClean="0"/>
-              <a:t>2/6/2017</a:t>
+              <a:t>2/9/17</a:t>
             </a:fld>
             <a:endParaRPr lang="en-US"/>
           </a:p>
@@ -12031,7 +12028,7 @@
   <p:timing>
     <p:tnLst>
       <p:par>
-        <p:cTn id="1" dur="indefinite" restart="never" nodeType="tmRoot"/>
+        <p:cTn xmlns:p14="http://schemas.microsoft.com/office/powerpoint/2010/main" id="1" dur="indefinite" restart="never" nodeType="tmRoot"/>
       </p:par>
     </p:tnLst>
   </p:timing>
@@ -12176,7 +12173,7 @@
           <a:p>
             <a:fld id="{484FC7DC-99C5-B841-BC67-A822311DD890}" type="datetime1">
               <a:rPr lang="en-US" smtClean="0"/>
-              <a:t>2/6/2017</a:t>
+              <a:t>2/9/17</a:t>
             </a:fld>
             <a:endParaRPr lang="en-US"/>
           </a:p>
@@ -12302,7 +12299,7 @@
           <a:p>
             <a:fld id="{484FC7DC-99C5-B841-BC67-A822311DD890}" type="datetime1">
               <a:rPr lang="en-US" smtClean="0"/>
-              <a:t>2/6/2017</a:t>
+              <a:t>2/9/17</a:t>
             </a:fld>
             <a:endParaRPr lang="en-US"/>
           </a:p>
@@ -12498,7 +12495,7 @@
           <a:p>
             <a:fld id="{484FC7DC-99C5-B841-BC67-A822311DD890}" type="datetime1">
               <a:rPr lang="en-US" smtClean="0"/>
-              <a:t>2/6/2017</a:t>
+              <a:t>2/9/17</a:t>
             </a:fld>
             <a:endParaRPr lang="en-US"/>
           </a:p>
@@ -12790,7 +12787,7 @@
           <a:p>
             <a:fld id="{262C11B4-28F0-0F44-83A5-9ACEA1688F80}" type="datetime1">
               <a:rPr lang="en-US" smtClean="0"/>
-              <a:t>2/6/2017</a:t>
+              <a:t>2/9/17</a:t>
             </a:fld>
             <a:endParaRPr lang="en-US"/>
           </a:p>
@@ -12966,10 +12963,201 @@
   <p:timing>
     <p:tnLst>
       <p:par>
-        <p:cTn id="1" dur="indefinite" restart="never" nodeType="tmRoot"/>
+        <p:cTn xmlns:p14="http://schemas.microsoft.com/office/powerpoint/2010/main" id="1" dur="indefinite" restart="never" nodeType="tmRoot"/>
       </p:par>
     </p:tnLst>
   </p:timing>
+</p:sld>
+</file>
+
+<file path=ppt/slides/slide34.xml><?xml version="1.0" encoding="utf-8"?>
+<p:sld xmlns:a="http://schemas.openxmlformats.org/drawingml/2006/main" xmlns:r="http://schemas.openxmlformats.org/officeDocument/2006/relationships" xmlns:p="http://schemas.openxmlformats.org/presentationml/2006/main">
+  <p:cSld>
+    <p:spTree>
+      <p:nvGrpSpPr>
+        <p:cNvPr id="1" name=""/>
+        <p:cNvGrpSpPr/>
+        <p:nvPr/>
+      </p:nvGrpSpPr>
+      <p:grpSpPr>
+        <a:xfrm>
+          <a:off x="0" y="0"/>
+          <a:ext cx="0" cy="0"/>
+          <a:chOff x="0" y="0"/>
+          <a:chExt cx="0" cy="0"/>
+        </a:xfrm>
+      </p:grpSpPr>
+      <p:sp>
+        <p:nvSpPr>
+          <p:cNvPr id="2" name="Title 1"/>
+          <p:cNvSpPr>
+            <a:spLocks noGrp="1"/>
+          </p:cNvSpPr>
+          <p:nvPr>
+            <p:ph type="title"/>
+          </p:nvPr>
+        </p:nvSpPr>
+        <p:spPr/>
+        <p:txBody>
+          <a:bodyPr/>
+          <a:lstStyle/>
+          <a:p>
+            <a:r>
+              <a:rPr lang="en-US" dirty="0" smtClean="0"/>
+              <a:t>Acknowledgements</a:t>
+            </a:r>
+            <a:endParaRPr lang="en-US" dirty="0"/>
+          </a:p>
+        </p:txBody>
+      </p:sp>
+      <p:sp>
+        <p:nvSpPr>
+          <p:cNvPr id="3" name="Content Placeholder 2"/>
+          <p:cNvSpPr>
+            <a:spLocks noGrp="1"/>
+          </p:cNvSpPr>
+          <p:nvPr>
+            <p:ph idx="1"/>
+          </p:nvPr>
+        </p:nvSpPr>
+        <p:spPr/>
+        <p:txBody>
+          <a:bodyPr/>
+          <a:lstStyle/>
+          <a:p>
+            <a:r>
+              <a:rPr lang="en-US" dirty="0" smtClean="0"/>
+              <a:t>These slides are adapted from the following sources:</a:t>
+            </a:r>
+          </a:p>
+          <a:p>
+            <a:pPr lvl="1"/>
+            <a:r>
+              <a:rPr lang="en-US" dirty="0" err="1" smtClean="0"/>
+              <a:t>Silberschatz</a:t>
+            </a:r>
+            <a:r>
+              <a:rPr lang="en-US" dirty="0" smtClean="0"/>
+              <a:t>, Galvin, &amp; Gagne, </a:t>
+            </a:r>
+            <a:r>
+              <a:rPr lang="en-US" i="1" dirty="0" smtClean="0"/>
+              <a:t>Operating Systems Concepts</a:t>
+            </a:r>
+            <a:r>
+              <a:rPr lang="en-US" dirty="0" smtClean="0"/>
+              <a:t>, 9</a:t>
+            </a:r>
+            <a:r>
+              <a:rPr lang="en-US" baseline="30000" dirty="0" smtClean="0"/>
+              <a:t>th</a:t>
+            </a:r>
+            <a:r>
+              <a:rPr lang="en-US" dirty="0" smtClean="0"/>
+              <a:t> edition</a:t>
+            </a:r>
+          </a:p>
+          <a:p>
+            <a:pPr lvl="1"/>
+            <a:r>
+              <a:rPr lang="en-US" dirty="0" smtClean="0"/>
+              <a:t>Chen &amp; </a:t>
+            </a:r>
+            <a:r>
+              <a:rPr lang="en-US" dirty="0" err="1" smtClean="0"/>
+              <a:t>Madhyastha</a:t>
+            </a:r>
+            <a:r>
+              <a:rPr lang="en-US" dirty="0" smtClean="0"/>
+              <a:t>, EECS 482 lecture notes, University of Michigan, Fall 2016</a:t>
+            </a:r>
+            <a:endParaRPr lang="en-US" dirty="0"/>
+          </a:p>
+        </p:txBody>
+      </p:sp>
+      <p:sp>
+        <p:nvSpPr>
+          <p:cNvPr id="4" name="Date Placeholder 3"/>
+          <p:cNvSpPr>
+            <a:spLocks noGrp="1"/>
+          </p:cNvSpPr>
+          <p:nvPr>
+            <p:ph type="dt" sz="half" idx="10"/>
+          </p:nvPr>
+        </p:nvSpPr>
+        <p:spPr/>
+        <p:txBody>
+          <a:bodyPr/>
+          <a:lstStyle/>
+          <a:p>
+            <a:fld id="{2BD1A3CB-CAD6-FB4B-9A5A-696854FE92B6}" type="datetime1">
+              <a:rPr lang="en-US" smtClean="0"/>
+              <a:t>2/9/17</a:t>
+            </a:fld>
+            <a:endParaRPr lang="en-US"/>
+          </a:p>
+        </p:txBody>
+      </p:sp>
+      <p:sp>
+        <p:nvSpPr>
+          <p:cNvPr id="5" name="Footer Placeholder 4"/>
+          <p:cNvSpPr>
+            <a:spLocks noGrp="1"/>
+          </p:cNvSpPr>
+          <p:nvPr>
+            <p:ph type="ftr" sz="quarter" idx="11"/>
+          </p:nvPr>
+        </p:nvSpPr>
+        <p:spPr/>
+        <p:txBody>
+          <a:bodyPr/>
+          <a:lstStyle/>
+          <a:p>
+            <a:pPr>
+              <a:defRPr/>
+            </a:pPr>
+            <a:r>
+              <a:rPr lang="en-US" altLang="en-US" smtClean="0"/>
+              <a:t>Operating Systems: Lecture 1</a:t>
+            </a:r>
+            <a:endParaRPr lang="en-US" altLang="en-US"/>
+          </a:p>
+        </p:txBody>
+      </p:sp>
+      <p:sp>
+        <p:nvSpPr>
+          <p:cNvPr id="6" name="Slide Number Placeholder 5"/>
+          <p:cNvSpPr>
+            <a:spLocks noGrp="1"/>
+          </p:cNvSpPr>
+          <p:nvPr>
+            <p:ph type="sldNum" sz="quarter" idx="12"/>
+          </p:nvPr>
+        </p:nvSpPr>
+        <p:spPr/>
+        <p:txBody>
+          <a:bodyPr/>
+          <a:lstStyle/>
+          <a:p>
+            <a:fld id="{2907D84A-D9E1-964C-B1EF-5C5C24A64F29}" type="slidenum">
+              <a:rPr lang="en-US" smtClean="0"/>
+              <a:pPr/>
+              <a:t>34</a:t>
+            </a:fld>
+            <a:endParaRPr lang="en-US"/>
+          </a:p>
+        </p:txBody>
+      </p:sp>
+    </p:spTree>
+    <p:extLst>
+      <p:ext uri="{BB962C8B-B14F-4D97-AF65-F5344CB8AC3E}">
+        <p14:creationId xmlns:p14="http://schemas.microsoft.com/office/powerpoint/2010/main" val="155555981"/>
+      </p:ext>
+    </p:extLst>
+  </p:cSld>
+  <p:clrMapOvr>
+    <a:masterClrMapping/>
+  </p:clrMapOvr>
 </p:sld>
 </file>
 
@@ -13191,7 +13379,7 @@
           <a:p>
             <a:fld id="{D225E3A2-FA26-624B-863C-B9CAB9C6F07D}" type="datetime1">
               <a:rPr lang="en-US" smtClean="0"/>
-              <a:t>2/6/2017</a:t>
+              <a:t>2/9/17</a:t>
             </a:fld>
             <a:endParaRPr lang="en-US"/>
           </a:p>
@@ -13260,7 +13448,7 @@
   <p:timing>
     <p:tnLst>
       <p:par>
-        <p:cTn id="1" dur="indefinite" restart="never" nodeType="tmRoot"/>
+        <p:cTn xmlns:p14="http://schemas.microsoft.com/office/powerpoint/2010/main" id="1" dur="indefinite" restart="never" nodeType="tmRoot"/>
       </p:par>
     </p:tnLst>
   </p:timing>
@@ -13414,7 +13602,7 @@
           <a:p>
             <a:fld id="{BB3B0221-ECAD-5A41-B43C-25AF69396A41}" type="datetime1">
               <a:rPr lang="en-US" smtClean="0"/>
-              <a:t>2/6/2017</a:t>
+              <a:t>2/9/17</a:t>
             </a:fld>
             <a:endParaRPr lang="en-US"/>
           </a:p>
@@ -13483,7 +13671,7 @@
   <p:timing>
     <p:tnLst>
       <p:par>
-        <p:cTn id="1" dur="indefinite" restart="never" nodeType="tmRoot"/>
+        <p:cTn xmlns:p14="http://schemas.microsoft.com/office/powerpoint/2010/main" id="1" dur="indefinite" restart="never" nodeType="tmRoot"/>
       </p:par>
     </p:tnLst>
   </p:timing>
@@ -13681,7 +13869,7 @@
           <a:p>
             <a:fld id="{484FC7DC-99C5-B841-BC67-A822311DD890}" type="datetime1">
               <a:rPr lang="en-US" smtClean="0"/>
-              <a:t>2/6/2017</a:t>
+              <a:t>2/9/17</a:t>
             </a:fld>
             <a:endParaRPr lang="en-US"/>
           </a:p>
@@ -13750,7 +13938,7 @@
   <p:timing>
     <p:tnLst>
       <p:par>
-        <p:cTn id="1" dur="indefinite" restart="never" nodeType="tmRoot"/>
+        <p:cTn xmlns:p14="http://schemas.microsoft.com/office/powerpoint/2010/main" id="1" dur="indefinite" restart="never" nodeType="tmRoot"/>
       </p:par>
     </p:tnLst>
   </p:timing>
@@ -13855,7 +14043,7 @@
           <a:p>
             <a:fld id="{484FC7DC-99C5-B841-BC67-A822311DD890}" type="datetime1">
               <a:rPr lang="en-US" smtClean="0"/>
-              <a:t>2/6/2017</a:t>
+              <a:t>2/9/17</a:t>
             </a:fld>
             <a:endParaRPr lang="en-US"/>
           </a:p>
@@ -13924,7 +14112,7 @@
   <p:timing>
     <p:tnLst>
       <p:par>
-        <p:cTn id="1" dur="indefinite" restart="never" nodeType="tmRoot"/>
+        <p:cTn xmlns:p14="http://schemas.microsoft.com/office/powerpoint/2010/main" id="1" dur="indefinite" restart="never" nodeType="tmRoot"/>
       </p:par>
     </p:tnLst>
   </p:timing>
@@ -14072,7 +14260,7 @@
           <a:p>
             <a:fld id="{484FC7DC-99C5-B841-BC67-A822311DD890}" type="datetime1">
               <a:rPr lang="en-US" smtClean="0"/>
-              <a:t>2/6/2017</a:t>
+              <a:t>2/9/17</a:t>
             </a:fld>
             <a:endParaRPr lang="en-US"/>
           </a:p>
@@ -14141,7 +14329,7 @@
   <p:timing>
     <p:tnLst>
       <p:par>
-        <p:cTn id="1" dur="indefinite" restart="never" nodeType="tmRoot"/>
+        <p:cTn xmlns:p14="http://schemas.microsoft.com/office/powerpoint/2010/main" id="1" dur="indefinite" restart="never" nodeType="tmRoot"/>
       </p:par>
     </p:tnLst>
   </p:timing>
@@ -14422,7 +14610,7 @@
           <a:p>
             <a:fld id="{484FC7DC-99C5-B841-BC67-A822311DD890}" type="datetime1">
               <a:rPr lang="en-US" smtClean="0"/>
-              <a:t>2/6/2017</a:t>
+              <a:t>2/9/17</a:t>
             </a:fld>
             <a:endParaRPr lang="en-US"/>
           </a:p>
@@ -14499,14 +14687,14 @@
             <a:noFill/>
           </a:ln>
           <a:extLst>
-            <a:ext uri="{909E8E84-426E-40DD-AFC4-6F175D3DCCD1}">
+            <a:ext uri="{909E8E84-426E-40dd-AFC4-6F175D3DCCD1}">
               <a14:hiddenFill xmlns:a14="http://schemas.microsoft.com/office/drawing/2010/main">
                 <a:solidFill>
                   <a:srgbClr val="FFFFFF"/>
                 </a:solidFill>
               </a14:hiddenFill>
             </a:ext>
-            <a:ext uri="{91240B29-F687-4F45-9708-019B960494DF}">
+            <a:ext uri="{91240B29-F687-4f45-9708-019B960494DF}">
               <a14:hiddenLine xmlns:a14="http://schemas.microsoft.com/office/drawing/2010/main" w="9525">
                 <a:solidFill>
                   <a:srgbClr val="000000"/>
@@ -14517,7 +14705,7 @@
               </a14:hiddenLine>
             </a:ext>
             <a:ext uri="{FAA26D3D-D897-4be2-8F04-BA451C77F1D7}">
-              <ma14:placeholderFlag xmlns:ma14="http://schemas.microsoft.com/office/mac/drawingml/2011/main" xmlns="" val="1"/>
+              <ma14:placeholderFlag xmlns:ma14="http://schemas.microsoft.com/office/mac/drawingml/2011/main" val="1"/>
             </a:ext>
           </a:extLst>
         </p:spPr>
@@ -14871,7 +15059,7 @@
   <p:timing>
     <p:tnLst>
       <p:par>
-        <p:cTn id="1" dur="indefinite" restart="never" nodeType="tmRoot"/>
+        <p:cTn xmlns:p14="http://schemas.microsoft.com/office/powerpoint/2010/main" id="1" dur="indefinite" restart="never" nodeType="tmRoot"/>
       </p:par>
     </p:tnLst>
   </p:timing>
